--- a/99.ppt/Ch3. 비동기 서비스 구현 (Spring Coroutine).pptx
+++ b/99.ppt/Ch3. 비동기 서비스 구현 (Spring Coroutine).pptx
@@ -224,7 +224,7 @@
           <a:p>
             <a:fld id="{9B770909-2C76-4DF9-BB76-4EE283593418}" type="datetimeFigureOut">
               <a:rPr lang="ko-KR" altLang="en-US" smtClean="0"/>
-              <a:t>2024-09-08</a:t>
+              <a:t>2024-10-11</a:t>
             </a:fld>
             <a:endParaRPr lang="ko-KR" altLang="en-US"/>
           </a:p>
@@ -1910,181 +1910,6 @@
             <a:pPr marL="0" indent="0">
               <a:buNone/>
             </a:pPr>
-            <a:r>
-              <a:rPr lang="ko-KR" altLang="en-US" dirty="0"/>
-              <a:t>혹시 희승사화라는 사건 </a:t>
-            </a:r>
-            <a:r>
-              <a:rPr lang="ko-KR" altLang="en-US" dirty="0" err="1"/>
-              <a:t>들어보셨을런지</a:t>
-            </a:r>
-            <a:r>
-              <a:rPr lang="ko-KR" altLang="en-US" dirty="0"/>
-              <a:t> 모르겠네요</a:t>
-            </a:r>
-            <a:r>
-              <a:rPr lang="en-US" altLang="ko-KR" dirty="0"/>
-              <a:t>.</a:t>
-            </a:r>
-          </a:p>
-          <a:p>
-            <a:pPr marL="0" indent="0">
-              <a:buNone/>
-            </a:pPr>
-            <a:endParaRPr lang="en-US" altLang="ko-KR" dirty="0"/>
-          </a:p>
-          <a:p>
-            <a:pPr marL="514350" lvl="1" indent="-171450">
-              <a:buFont typeface="Arial" panose="020B0604020202020204" pitchFamily="34" charset="0"/>
-              <a:buChar char="•"/>
-            </a:pPr>
-            <a:r>
-              <a:rPr lang="en-US" altLang="ko-KR" dirty="0"/>
-              <a:t>2004</a:t>
-            </a:r>
-            <a:r>
-              <a:rPr lang="ko-KR" altLang="en-US" dirty="0"/>
-              <a:t>년 자바 서비스넷이라는 커뮤니티에서</a:t>
-            </a:r>
-            <a:endParaRPr lang="en-US" altLang="ko-KR" dirty="0"/>
-          </a:p>
-          <a:p>
-            <a:pPr marL="514350" lvl="1" indent="-171450">
-              <a:buFont typeface="Arial" panose="020B0604020202020204" pitchFamily="34" charset="0"/>
-              <a:buChar char="•"/>
-            </a:pPr>
-            <a:r>
-              <a:rPr lang="ko-KR" altLang="en-US" dirty="0"/>
-              <a:t>당시 </a:t>
-            </a:r>
-            <a:r>
-              <a:rPr lang="en-US" altLang="ko-KR" dirty="0"/>
-              <a:t>25</a:t>
-            </a:r>
-            <a:r>
-              <a:rPr lang="ko-KR" altLang="en-US" dirty="0"/>
-              <a:t>세 개발자가 자기 고민을 털어놓은 글에 엄청난 댓글들이 달렸는데요</a:t>
-            </a:r>
-            <a:r>
-              <a:rPr lang="en-US" altLang="ko-KR" dirty="0"/>
-              <a:t>.</a:t>
-            </a:r>
-          </a:p>
-          <a:p>
-            <a:pPr marL="514350" lvl="1" indent="-171450">
-              <a:buFont typeface="Arial" panose="020B0604020202020204" pitchFamily="34" charset="0"/>
-              <a:buChar char="•"/>
-            </a:pPr>
-            <a:r>
-              <a:rPr lang="ko-KR" altLang="en-US" dirty="0"/>
-              <a:t>내용은 대략 이렇습니다</a:t>
-            </a:r>
-            <a:r>
-              <a:rPr lang="en-US" altLang="ko-KR" dirty="0"/>
-              <a:t>.</a:t>
-            </a:r>
-          </a:p>
-          <a:p>
-            <a:pPr marL="857250" lvl="2" indent="-171450">
-              <a:buFont typeface="Arial" panose="020B0604020202020204" pitchFamily="34" charset="0"/>
-              <a:buChar char="•"/>
-            </a:pPr>
-            <a:r>
-              <a:rPr lang="ko-KR" altLang="en-US" dirty="0"/>
-              <a:t>나는 대리 </a:t>
-            </a:r>
-            <a:r>
-              <a:rPr lang="en-US" altLang="ko-KR" dirty="0"/>
-              <a:t>-&gt; </a:t>
-            </a:r>
-            <a:r>
-              <a:rPr lang="ko-KR" altLang="en-US" dirty="0"/>
-              <a:t>과장 </a:t>
-            </a:r>
-            <a:r>
-              <a:rPr lang="en-US" altLang="ko-KR" dirty="0"/>
-              <a:t>-&gt; PM </a:t>
-            </a:r>
-            <a:r>
-              <a:rPr lang="ko-KR" altLang="en-US" dirty="0"/>
-              <a:t>진급까지 초고속 승진을 해봤는데</a:t>
-            </a:r>
-            <a:endParaRPr lang="en-US" altLang="ko-KR" dirty="0"/>
-          </a:p>
-          <a:p>
-            <a:pPr marL="857250" lvl="2" indent="-171450">
-              <a:buFont typeface="Arial" panose="020B0604020202020204" pitchFamily="34" charset="0"/>
-              <a:buChar char="•"/>
-            </a:pPr>
-            <a:r>
-              <a:rPr lang="ko-KR" altLang="en-US" dirty="0"/>
-              <a:t>뜻하는 바가 있어 대학원에 진학하고 해</a:t>
-            </a:r>
-            <a:endParaRPr lang="en-US" altLang="ko-KR" dirty="0"/>
-          </a:p>
-          <a:p>
-            <a:pPr marL="857250" lvl="2" indent="-171450">
-              <a:buFont typeface="Arial" panose="020B0604020202020204" pitchFamily="34" charset="0"/>
-              <a:buChar char="•"/>
-            </a:pPr>
-            <a:r>
-              <a:rPr lang="ko-KR" altLang="en-US" dirty="0"/>
-              <a:t>그런데 회사에서 이사 직함과 함께 고액 연봉을 제시하네 </a:t>
-            </a:r>
-            <a:r>
-              <a:rPr lang="en-US" altLang="ko-KR" dirty="0"/>
-              <a:t>?</a:t>
-            </a:r>
-          </a:p>
-          <a:p>
-            <a:pPr marL="0" indent="0">
-              <a:buNone/>
-            </a:pPr>
-            <a:endParaRPr lang="en-US" altLang="ko-KR" dirty="0"/>
-          </a:p>
-          <a:p>
-            <a:pPr marL="0" indent="0">
-              <a:buNone/>
-            </a:pPr>
-            <a:r>
-              <a:rPr lang="ko-KR" altLang="en-US" dirty="0"/>
-              <a:t>글쓴이가 거짓말한다고 생각했던 개발자들이</a:t>
-            </a:r>
-            <a:r>
-              <a:rPr lang="en-US" altLang="ko-KR" dirty="0"/>
-              <a:t>, </a:t>
-            </a:r>
-            <a:r>
-              <a:rPr lang="ko-KR" altLang="en-US" dirty="0"/>
-              <a:t>이 글에 낯뜨거운 훈수와 악플을 마구 달았는데</a:t>
-            </a:r>
-            <a:r>
-              <a:rPr lang="en-US" altLang="ko-KR" dirty="0"/>
-              <a:t>… </a:t>
-            </a:r>
-            <a:r>
-              <a:rPr lang="ko-KR" altLang="en-US" dirty="0"/>
-              <a:t>그 사건의 주인공이 바로 이 </a:t>
-            </a:r>
-            <a:r>
-              <a:rPr lang="ko-KR" altLang="en-US" dirty="0" err="1"/>
-              <a:t>분이세요</a:t>
-            </a:r>
-            <a:r>
-              <a:rPr lang="en-US" altLang="ko-KR" dirty="0"/>
-              <a:t>.</a:t>
-            </a:r>
-          </a:p>
-          <a:p>
-            <a:pPr marL="0" indent="0">
-              <a:buNone/>
-            </a:pPr>
-            <a:endParaRPr lang="en-US" altLang="ko-KR" dirty="0"/>
-          </a:p>
-          <a:p>
-            <a:pPr marL="0" indent="0">
-              <a:buNone/>
-            </a:pPr>
             <a:endParaRPr lang="en-US" altLang="ko-KR" dirty="0"/>
           </a:p>
           <a:p>
@@ -2456,14 +2281,6 @@
               <a:tabLst/>
               <a:defRPr/>
             </a:pPr>
-            <a:r>
-              <a:rPr lang="en-US" altLang="ko-KR" dirty="0"/>
-              <a:t>2013</a:t>
-            </a:r>
-            <a:r>
-              <a:rPr lang="ko-KR" altLang="en-US" dirty="0"/>
-              <a:t>년</a:t>
-            </a:r>
             <a:r>
               <a:rPr lang="en-US" altLang="ko-KR" dirty="0"/>
               <a:t>2013</a:t>
